--- a/BÁO-CÁO-ĐỒ-ÁN-CUỐI-KỲ.pptx
+++ b/BÁO-CÁO-ĐỒ-ÁN-CUỐI-KỲ.pptx
@@ -1956,7 +1956,7 @@
           <a:p>
             <a:fld id="{3E593877-7840-4B21-9EBE-7E0387E0798D}" type="datetimeFigureOut">
               <a:rPr lang="en-US" smtClean="0"/>
-              <a:t>6/12/2015</a:t>
+              <a:t>6/14/2015</a:t>
             </a:fld>
             <a:endParaRPr lang="en-US"/>
           </a:p>
@@ -2137,7 +2137,7 @@
           <a:p>
             <a:fld id="{3E593877-7840-4B21-9EBE-7E0387E0798D}" type="datetimeFigureOut">
               <a:rPr lang="en-US" smtClean="0"/>
-              <a:t>6/12/2015</a:t>
+              <a:t>6/14/2015</a:t>
             </a:fld>
             <a:endParaRPr lang="en-US"/>
           </a:p>
@@ -2288,7 +2288,7 @@
           <a:p>
             <a:fld id="{3E593877-7840-4B21-9EBE-7E0387E0798D}" type="datetimeFigureOut">
               <a:rPr lang="en-US" smtClean="0"/>
-              <a:t>6/12/2015</a:t>
+              <a:t>6/14/2015</a:t>
             </a:fld>
             <a:endParaRPr lang="en-US"/>
           </a:p>
@@ -4114,7 +4114,7 @@
           <a:p>
             <a:fld id="{3E593877-7840-4B21-9EBE-7E0387E0798D}" type="datetimeFigureOut">
               <a:rPr lang="en-US" smtClean="0"/>
-              <a:t>6/12/2015</a:t>
+              <a:t>6/14/2015</a:t>
             </a:fld>
             <a:endParaRPr lang="en-US"/>
           </a:p>
@@ -5984,7 +5984,7 @@
           <a:p>
             <a:fld id="{3E593877-7840-4B21-9EBE-7E0387E0798D}" type="datetimeFigureOut">
               <a:rPr lang="en-US" smtClean="0"/>
-              <a:t>6/12/2015</a:t>
+              <a:t>6/14/2015</a:t>
             </a:fld>
             <a:endParaRPr lang="en-US"/>
           </a:p>
@@ -6097,7 +6097,7 @@
           <a:p>
             <a:fld id="{3E593877-7840-4B21-9EBE-7E0387E0798D}" type="datetimeFigureOut">
               <a:rPr lang="en-US" smtClean="0"/>
-              <a:t>6/12/2015</a:t>
+              <a:t>6/14/2015</a:t>
             </a:fld>
             <a:endParaRPr lang="en-US"/>
           </a:p>
@@ -6638,7 +6638,7 @@
           <a:p>
             <a:fld id="{3E593877-7840-4B21-9EBE-7E0387E0798D}" type="datetimeFigureOut">
               <a:rPr lang="en-US" smtClean="0"/>
-              <a:t>6/12/2015</a:t>
+              <a:t>6/14/2015</a:t>
             </a:fld>
             <a:endParaRPr lang="en-US"/>
           </a:p>
@@ -6751,7 +6751,7 @@
           <a:p>
             <a:fld id="{3E593877-7840-4B21-9EBE-7E0387E0798D}" type="datetimeFigureOut">
               <a:rPr lang="en-US" smtClean="0"/>
-              <a:t>6/12/2015</a:t>
+              <a:t>6/14/2015</a:t>
             </a:fld>
             <a:endParaRPr lang="en-US"/>
           </a:p>
@@ -8462,7 +8462,7 @@
           <a:p>
             <a:fld id="{3E593877-7840-4B21-9EBE-7E0387E0798D}" type="datetimeFigureOut">
               <a:rPr lang="en-US" smtClean="0"/>
-              <a:t>6/12/2015</a:t>
+              <a:t>6/14/2015</a:t>
             </a:fld>
             <a:endParaRPr lang="en-US"/>
           </a:p>
@@ -8613,7 +8613,7 @@
           <a:p>
             <a:fld id="{3E593877-7840-4B21-9EBE-7E0387E0798D}" type="datetimeFigureOut">
               <a:rPr lang="en-US" smtClean="0"/>
-              <a:t>6/12/2015</a:t>
+              <a:t>6/14/2015</a:t>
             </a:fld>
             <a:endParaRPr lang="en-US"/>
           </a:p>
@@ -12228,7 +12228,7 @@
           <a:p>
             <a:fld id="{3E593877-7840-4B21-9EBE-7E0387E0798D}" type="datetimeFigureOut">
               <a:rPr lang="en-US" smtClean="0"/>
-              <a:t>6/12/2015</a:t>
+              <a:t>6/14/2015</a:t>
             </a:fld>
             <a:endParaRPr lang="en-US"/>
           </a:p>
@@ -14087,7 +14087,7 @@
           <a:p>
             <a:fld id="{3E593877-7840-4B21-9EBE-7E0387E0798D}" type="datetimeFigureOut">
               <a:rPr lang="en-US" smtClean="0"/>
-              <a:t>6/12/2015</a:t>
+              <a:t>6/14/2015</a:t>
             </a:fld>
             <a:endParaRPr lang="en-US"/>
           </a:p>
@@ -15405,19 +15405,11 @@
             </a:r>
             <a:r>
               <a:rPr lang="en-US"/>
-              <a:t> click </a:t>
+              <a:t> </a:t>
             </a:r>
             <a:r>
               <a:rPr lang="en-US" smtClean="0"/>
-              <a:t>	</a:t>
-            </a:r>
-            <a:r>
-              <a:rPr lang="en-US" err="1" smtClean="0"/>
-              <a:t>vào</a:t>
-            </a:r>
-            <a:r>
-              <a:rPr lang="en-US" smtClean="0"/>
-              <a:t> </a:t>
+              <a:t>	click vào </a:t>
             </a:r>
             <a:r>
               <a:rPr lang="en-US" err="1"/>
@@ -21692,110 +21684,110 @@
         <p:spPr/>
         <p:txBody>
           <a:bodyPr>
-            <a:normAutofit fontScale="70000" lnSpcReduction="20000"/>
+            <a:noAutofit/>
           </a:bodyPr>
           <a:lstStyle/>
           <a:p>
             <a:r>
-              <a:rPr lang="vi-VN" smtClean="0"/>
+              <a:rPr lang="vi-VN" sz="1800" smtClean="0"/>
               <a:t>Trong </a:t>
             </a:r>
             <a:r>
-              <a:rPr lang="vi-VN"/>
+              <a:rPr lang="vi-VN" sz="1800"/>
               <a:t>Microsoft Visual Studio, GDI+ có trong khối hợp ngữ System.Drawing.dll, 1 vài namespace trong đó là</a:t>
             </a:r>
             <a:r>
-              <a:rPr lang="vi-VN" smtClean="0"/>
+              <a:rPr lang="vi-VN" sz="1800" smtClean="0"/>
               <a:t>:</a:t>
             </a:r>
-            <a:endParaRPr lang="en-US" smtClean="0"/>
-          </a:p>
-          <a:p>
-            <a:endParaRPr lang="en-US"/>
+            <a:endParaRPr lang="en-US" sz="1800" smtClean="0"/>
+          </a:p>
+          <a:p>
+            <a:endParaRPr lang="en-US" sz="1800"/>
           </a:p>
           <a:p>
             <a:pPr lvl="1"/>
             <a:r>
-              <a:rPr lang="vi-VN"/>
+              <a:rPr lang="vi-VN" sz="1600"/>
               <a:t>System.Drawing.Design;</a:t>
             </a:r>
-            <a:endParaRPr lang="en-US"/>
+            <a:endParaRPr lang="en-US" sz="1600"/>
           </a:p>
           <a:p>
             <a:pPr lvl="1"/>
             <a:r>
-              <a:rPr lang="vi-VN"/>
+              <a:rPr lang="vi-VN" sz="1600"/>
               <a:t>System.Drawing;</a:t>
             </a:r>
-            <a:endParaRPr lang="en-US"/>
+            <a:endParaRPr lang="en-US" sz="1600"/>
           </a:p>
           <a:p>
             <a:pPr lvl="1"/>
             <a:r>
-              <a:rPr lang="vi-VN"/>
+              <a:rPr lang="vi-VN" sz="1600"/>
               <a:t>System.Drawing.Imaging;</a:t>
             </a:r>
-            <a:endParaRPr lang="en-US"/>
+            <a:endParaRPr lang="en-US" sz="1600"/>
           </a:p>
           <a:p>
             <a:pPr lvl="1"/>
             <a:r>
-              <a:rPr lang="vi-VN"/>
+              <a:rPr lang="vi-VN" sz="1600"/>
               <a:t>System.Drawing.Drawing2D;</a:t>
             </a:r>
-            <a:endParaRPr lang="en-US"/>
+            <a:endParaRPr lang="en-US" sz="1600"/>
           </a:p>
           <a:p>
             <a:pPr lvl="1"/>
             <a:r>
-              <a:rPr lang="vi-VN"/>
+              <a:rPr lang="vi-VN" sz="1600"/>
               <a:t>System.Drawing.Printing;</a:t>
             </a:r>
-            <a:endParaRPr lang="en-US"/>
+            <a:endParaRPr lang="en-US" sz="1600"/>
           </a:p>
           <a:p>
             <a:pPr lvl="1"/>
             <a:r>
-              <a:rPr lang="vi-VN"/>
+              <a:rPr lang="vi-VN" sz="1600"/>
               <a:t>System.Drawing.Text;</a:t>
             </a:r>
-            <a:endParaRPr lang="en-US"/>
+            <a:endParaRPr lang="en-US" sz="1600"/>
           </a:p>
           <a:p>
             <a:pPr marL="0" indent="0">
               <a:buNone/>
             </a:pPr>
-            <a:endParaRPr lang="en-US"/>
-          </a:p>
-          <a:p>
-            <a:r>
-              <a:rPr lang="vi-VN" b="1" smtClean="0"/>
+            <a:endParaRPr lang="en-US" sz="1800"/>
+          </a:p>
+          <a:p>
+            <a:r>
+              <a:rPr lang="vi-VN" sz="1800" b="1" smtClean="0"/>
               <a:t>Các </a:t>
             </a:r>
             <a:r>
-              <a:rPr lang="vi-VN" b="1"/>
+              <a:rPr lang="vi-VN" sz="1800" b="1"/>
               <a:t>thư viện sử dụng trong đồ án:</a:t>
             </a:r>
-            <a:endParaRPr lang="en-US"/>
+            <a:endParaRPr lang="en-US" sz="1800"/>
           </a:p>
           <a:p>
             <a:pPr lvl="1"/>
             <a:r>
-              <a:rPr lang="vi-VN"/>
+              <a:rPr lang="vi-VN" sz="1600"/>
               <a:t>System.Drawing;</a:t>
             </a:r>
-            <a:endParaRPr lang="en-US"/>
+            <a:endParaRPr lang="en-US" sz="1600"/>
           </a:p>
           <a:p>
             <a:pPr lvl="1"/>
             <a:r>
-              <a:rPr lang="vi-VN"/>
+              <a:rPr lang="vi-VN" sz="1600"/>
               <a:t>System.Drawing.Imaging;</a:t>
             </a:r>
-            <a:endParaRPr lang="en-US"/>
-          </a:p>
-          <a:p>
-            <a:endParaRPr lang="en-US"/>
+            <a:endParaRPr lang="en-US" sz="1600"/>
+          </a:p>
+          <a:p>
+            <a:endParaRPr lang="en-US" sz="1800"/>
           </a:p>
         </p:txBody>
       </p:sp>
@@ -22486,7 +22478,7 @@
         </p:nvCxnSpPr>
         <p:spPr>
           <a:xfrm>
-            <a:off x="3505200" y="2362200"/>
+            <a:off x="3288554" y="2429946"/>
             <a:ext cx="457200" cy="648405"/>
           </a:xfrm>
           <a:prstGeom prst="straightConnector1">
@@ -22524,7 +22516,7 @@
         </p:nvSpPr>
         <p:spPr>
           <a:xfrm>
-            <a:off x="1811479" y="1544215"/>
+            <a:off x="1278079" y="1749218"/>
             <a:ext cx="1922321" cy="830997"/>
           </a:xfrm>
           <a:prstGeom prst="rect">
@@ -24780,7 +24772,7 @@
               <a:t> 1 </a:t>
             </a:r>
             <a:r>
-              <a:rPr lang="en-US" err="1" smtClean="0"/>
+              <a:rPr lang="en-US" smtClean="0"/>
               <a:t>vùng</a:t>
             </a:r>
             <a:endParaRPr lang="en-US"/>
@@ -25632,16 +25624,8 @@
               <a:t> </a:t>
             </a:r>
             <a:r>
-              <a:rPr lang="en-US" err="1" smtClean="0"/>
-              <a:t>cho</a:t>
-            </a:r>
-            <a:r>
               <a:rPr lang="en-US" smtClean="0"/>
-              <a:t> 	</a:t>
-            </a:r>
-            <a:r>
-              <a:rPr lang="en-US" err="1" smtClean="0"/>
-              <a:t>LeftColor</a:t>
+              <a:t>	cho LeftColor</a:t>
             </a:r>
             <a:endParaRPr lang="en-US" smtClean="0"/>
           </a:p>
@@ -25892,7 +25876,7 @@
         </p:blipFill>
         <p:spPr bwMode="auto">
           <a:xfrm>
-            <a:off x="1300162" y="4405223"/>
+            <a:off x="1300163" y="4265761"/>
             <a:ext cx="476250" cy="476250"/>
           </a:xfrm>
           <a:prstGeom prst="rect">
